--- a/docs/peppol-silicone dependencies.pptx
+++ b/docs/peppol-silicone dependencies.pptx
@@ -4390,13 +4390,13 @@
         </p:spPr>
         <p:style>
           <a:lnRef idx="1">
-            <a:schemeClr val="accent1"/>
+            <a:schemeClr val="accent3"/>
           </a:lnRef>
           <a:fillRef idx="2">
-            <a:schemeClr val="accent1"/>
+            <a:schemeClr val="accent3"/>
           </a:fillRef>
           <a:effectRef idx="1">
-            <a:schemeClr val="accent1"/>
+            <a:schemeClr val="accent3"/>
           </a:effectRef>
           <a:fontRef idx="minor">
             <a:schemeClr val="dk1"/>
@@ -4816,13 +4816,13 @@
         </p:spPr>
         <p:style>
           <a:lnRef idx="1">
-            <a:schemeClr val="accent3"/>
+            <a:schemeClr val="accent6"/>
           </a:lnRef>
           <a:fillRef idx="2">
-            <a:schemeClr val="accent3"/>
+            <a:schemeClr val="accent6"/>
           </a:fillRef>
           <a:effectRef idx="1">
-            <a:schemeClr val="accent3"/>
+            <a:schemeClr val="accent6"/>
           </a:effectRef>
           <a:fontRef idx="minor">
             <a:schemeClr val="dk1"/>
@@ -5164,15 +5164,7 @@
           <a:p>
             <a:r>
               <a:rPr lang="en-GB" smtClean="0"/>
-              <a:t>SML, SMP, START </a:t>
-            </a:r>
-            <a:r>
-              <a:rPr lang="en-GB" smtClean="0"/>
-              <a:t>&amp; </a:t>
-            </a:r>
-            <a:r>
-              <a:rPr lang="en-GB" smtClean="0"/>
-              <a:t>LIME</a:t>
+              <a:t>SML, SMP, START &amp; LIME</a:t>
             </a:r>
             <a:endParaRPr lang="en-GB"/>
           </a:p>
@@ -5290,21 +5282,8 @@
                   <a:schemeClr val="dk1"/>
                 </a:solidFill>
               </a:rPr>
-              <a:t>Base </a:t>
-            </a:r>
-            <a:r>
-              <a:rPr lang="en-GB" sz="1400" smtClean="0">
-                <a:solidFill>
-                  <a:schemeClr val="dk1"/>
-                </a:solidFill>
-              </a:rPr>
-              <a:t>library</a:t>
-            </a:r>
-            <a:endParaRPr lang="en-GB" sz="1400" smtClean="0">
-              <a:solidFill>
-                <a:schemeClr val="dk1"/>
-              </a:solidFill>
-            </a:endParaRPr>
+              <a:t>Base library</a:t>
+            </a:r>
           </a:p>
         </p:txBody>
       </p:sp>
@@ -5348,29 +5327,8 @@
                   <a:schemeClr val="dk1"/>
                 </a:solidFill>
               </a:rPr>
-              <a:t>Production</a:t>
-            </a:r>
-            <a:r>
-              <a:rPr lang="en-GB" sz="1400" smtClean="0">
-                <a:solidFill>
-                  <a:schemeClr val="dk1"/>
-                </a:solidFill>
-              </a:rPr>
-              <a:t> </a:t>
-            </a:r>
-            <a:r>
-              <a:rPr lang="en-GB" sz="1400" smtClean="0">
-                <a:solidFill>
-                  <a:schemeClr val="dk1"/>
-                </a:solidFill>
-              </a:rPr>
-              <a:t>artefact</a:t>
-            </a:r>
-            <a:endParaRPr lang="en-GB" sz="1400" smtClean="0">
-              <a:solidFill>
-                <a:schemeClr val="dk1"/>
-              </a:solidFill>
-            </a:endParaRPr>
+              <a:t>Production artefact</a:t>
+            </a:r>
           </a:p>
         </p:txBody>
       </p:sp>
@@ -5414,21 +5372,8 @@
                   <a:schemeClr val="dk1"/>
                 </a:solidFill>
               </a:rPr>
-              <a:t>Utility </a:t>
-            </a:r>
-            <a:r>
-              <a:rPr lang="en-GB" sz="1400" smtClean="0">
-                <a:solidFill>
-                  <a:schemeClr val="dk1"/>
-                </a:solidFill>
-              </a:rPr>
-              <a:t>artefact</a:t>
-            </a:r>
-            <a:endParaRPr lang="en-GB" sz="1400" smtClean="0">
-              <a:solidFill>
-                <a:schemeClr val="dk1"/>
-              </a:solidFill>
-            </a:endParaRPr>
+              <a:t>Utility artefact</a:t>
+            </a:r>
           </a:p>
         </p:txBody>
       </p:sp>
@@ -5456,11 +5401,7 @@
           <a:p>
             <a:r>
               <a:rPr lang="en-GB" smtClean="0"/>
-              <a:t>Legend</a:t>
-            </a:r>
-            <a:r>
-              <a:rPr lang="en-GB" smtClean="0"/>
-              <a:t>:</a:t>
+              <a:t>Legend:</a:t>
             </a:r>
             <a:endParaRPr lang="en-GB"/>
           </a:p>
@@ -5862,15 +5803,7 @@
           <a:p>
             <a:r>
               <a:rPr lang="en-GB" smtClean="0"/>
-              <a:t>Validation </a:t>
-            </a:r>
-            <a:r>
-              <a:rPr lang="en-GB" smtClean="0"/>
-              <a:t>&amp; </a:t>
-            </a:r>
-            <a:r>
-              <a:rPr lang="en-GB" smtClean="0"/>
-              <a:t>Visualization</a:t>
+              <a:t>Validation &amp; Visualization</a:t>
             </a:r>
             <a:endParaRPr lang="en-GB"/>
           </a:p>
@@ -5916,21 +5849,8 @@
                   <a:schemeClr val="dk1"/>
                 </a:solidFill>
               </a:rPr>
-              <a:t>Base </a:t>
-            </a:r>
-            <a:r>
-              <a:rPr lang="en-GB" sz="1400" smtClean="0">
-                <a:solidFill>
-                  <a:schemeClr val="dk1"/>
-                </a:solidFill>
-              </a:rPr>
-              <a:t>library</a:t>
-            </a:r>
-            <a:endParaRPr lang="en-GB" sz="1400" smtClean="0">
-              <a:solidFill>
-                <a:schemeClr val="dk1"/>
-              </a:solidFill>
-            </a:endParaRPr>
+              <a:t>Base library</a:t>
+            </a:r>
           </a:p>
         </p:txBody>
       </p:sp>
@@ -5974,29 +5894,8 @@
                   <a:schemeClr val="dk1"/>
                 </a:solidFill>
               </a:rPr>
-              <a:t>Production</a:t>
-            </a:r>
-            <a:r>
-              <a:rPr lang="en-GB" sz="1400" smtClean="0">
-                <a:solidFill>
-                  <a:schemeClr val="dk1"/>
-                </a:solidFill>
-              </a:rPr>
-              <a:t> </a:t>
-            </a:r>
-            <a:r>
-              <a:rPr lang="en-GB" sz="1400" smtClean="0">
-                <a:solidFill>
-                  <a:schemeClr val="dk1"/>
-                </a:solidFill>
-              </a:rPr>
-              <a:t>artefact</a:t>
-            </a:r>
-            <a:endParaRPr lang="en-GB" sz="1400" smtClean="0">
-              <a:solidFill>
-                <a:schemeClr val="dk1"/>
-              </a:solidFill>
-            </a:endParaRPr>
+              <a:t>Production artefact</a:t>
+            </a:r>
           </a:p>
         </p:txBody>
       </p:sp>
@@ -6040,21 +5939,8 @@
                   <a:schemeClr val="dk1"/>
                 </a:solidFill>
               </a:rPr>
-              <a:t>Utility </a:t>
-            </a:r>
-            <a:r>
-              <a:rPr lang="en-GB" sz="1400" smtClean="0">
-                <a:solidFill>
-                  <a:schemeClr val="dk1"/>
-                </a:solidFill>
-              </a:rPr>
-              <a:t>artefact</a:t>
-            </a:r>
-            <a:endParaRPr lang="en-GB" sz="1400" smtClean="0">
-              <a:solidFill>
-                <a:schemeClr val="dk1"/>
-              </a:solidFill>
-            </a:endParaRPr>
+              <a:t>Utility artefact</a:t>
+            </a:r>
           </a:p>
         </p:txBody>
       </p:sp>
@@ -6082,11 +5968,7 @@
           <a:p>
             <a:r>
               <a:rPr lang="en-GB" smtClean="0"/>
-              <a:t>Legend</a:t>
-            </a:r>
-            <a:r>
-              <a:rPr lang="en-GB" smtClean="0"/>
-              <a:t>:</a:t>
+              <a:t>Legend:</a:t>
             </a:r>
             <a:endParaRPr lang="en-GB"/>
           </a:p>

--- a/docs/peppol-silicone dependencies.pptx
+++ b/docs/peppol-silicone dependencies.pptx
@@ -195,7 +195,7 @@
             <a:fld id="{088C8A11-EB0A-48FD-92A0-DF3091336A59}" type="datetimeFigureOut">
               <a:rPr lang="en-GB" smtClean="0"/>
               <a:pPr/>
-              <a:t>16/03/2012</a:t>
+              <a:t>19/03/2012</a:t>
             </a:fld>
             <a:endParaRPr lang="en-GB"/>
           </a:p>
@@ -364,6 +364,11 @@
         </p:txBody>
       </p:sp>
     </p:spTree>
+    <p:extLst>
+      <p:ext uri="{BB962C8B-B14F-4D97-AF65-F5344CB8AC3E}">
+        <p14:creationId xmlns:p14="http://schemas.microsoft.com/office/powerpoint/2010/main" val="2347062740"/>
+      </p:ext>
+    </p:extLst>
   </p:cSld>
   <p:clrMap bg1="lt1" tx1="dk1" bg2="lt2" tx2="dk2" accent1="accent1" accent2="accent2" accent3="accent3" accent4="accent4" accent5="accent5" accent6="accent6" hlink="hlink" folHlink="folHlink"/>
   <p:notesStyle>
@@ -807,7 +812,7 @@
             <a:fld id="{2943B846-A01C-46EC-8AC6-C34985E1F147}" type="datetime1">
               <a:rPr lang="de-AT" smtClean="0"/>
               <a:pPr/>
-              <a:t>16.03.2012</a:t>
+              <a:t>19.03.2012</a:t>
             </a:fld>
             <a:endParaRPr lang="de-AT"/>
           </a:p>
@@ -974,7 +979,7 @@
             <a:fld id="{64584377-67F1-4445-89AB-0F3B7CC8E5FA}" type="datetime1">
               <a:rPr lang="de-AT" smtClean="0"/>
               <a:pPr/>
-              <a:t>16.03.2012</a:t>
+              <a:t>19.03.2012</a:t>
             </a:fld>
             <a:endParaRPr lang="de-AT"/>
           </a:p>
@@ -1151,7 +1156,7 @@
             <a:fld id="{68516438-451A-4676-91C7-7C955F69BD50}" type="datetime1">
               <a:rPr lang="de-AT" smtClean="0"/>
               <a:pPr/>
-              <a:t>16.03.2012</a:t>
+              <a:t>19.03.2012</a:t>
             </a:fld>
             <a:endParaRPr lang="de-AT"/>
           </a:p>
@@ -1318,7 +1323,7 @@
             <a:fld id="{7C74F28F-B9B7-4CA1-8E74-4FCCB67A3728}" type="datetime1">
               <a:rPr lang="de-AT" smtClean="0"/>
               <a:pPr/>
-              <a:t>16.03.2012</a:t>
+              <a:t>19.03.2012</a:t>
             </a:fld>
             <a:endParaRPr lang="de-AT"/>
           </a:p>
@@ -1561,7 +1566,7 @@
             <a:fld id="{F7B98E26-33EA-476B-A7F4-78BCBDB1F9DF}" type="datetime1">
               <a:rPr lang="de-AT" smtClean="0"/>
               <a:pPr/>
-              <a:t>16.03.2012</a:t>
+              <a:t>19.03.2012</a:t>
             </a:fld>
             <a:endParaRPr lang="de-AT"/>
           </a:p>
@@ -1846,7 +1851,7 @@
             <a:fld id="{17E15FCA-C1C5-4B6F-8E6B-C765FCBCEDE7}" type="datetime1">
               <a:rPr lang="de-AT" smtClean="0"/>
               <a:pPr/>
-              <a:t>16.03.2012</a:t>
+              <a:t>19.03.2012</a:t>
             </a:fld>
             <a:endParaRPr lang="de-AT"/>
           </a:p>
@@ -2265,7 +2270,7 @@
             <a:fld id="{3FC30DF9-67D6-4DCD-952D-517CFD9234A1}" type="datetime1">
               <a:rPr lang="de-AT" smtClean="0"/>
               <a:pPr/>
-              <a:t>16.03.2012</a:t>
+              <a:t>19.03.2012</a:t>
             </a:fld>
             <a:endParaRPr lang="de-AT"/>
           </a:p>
@@ -2380,7 +2385,7 @@
             <a:fld id="{37545D1E-AD59-4781-9575-A1389292FAC4}" type="datetime1">
               <a:rPr lang="de-AT" smtClean="0"/>
               <a:pPr/>
-              <a:t>16.03.2012</a:t>
+              <a:t>19.03.2012</a:t>
             </a:fld>
             <a:endParaRPr lang="de-AT"/>
           </a:p>
@@ -2472,7 +2477,7 @@
             <a:fld id="{44A36951-5496-4E3B-A01F-53A9ACCD758B}" type="datetime1">
               <a:rPr lang="de-AT" smtClean="0"/>
               <a:pPr/>
-              <a:t>16.03.2012</a:t>
+              <a:t>19.03.2012</a:t>
             </a:fld>
             <a:endParaRPr lang="de-AT"/>
           </a:p>
@@ -2746,7 +2751,7 @@
             <a:fld id="{CAC1171A-F559-4EBA-A918-D02527D76FE2}" type="datetime1">
               <a:rPr lang="de-AT" smtClean="0"/>
               <a:pPr/>
-              <a:t>16.03.2012</a:t>
+              <a:t>19.03.2012</a:t>
             </a:fld>
             <a:endParaRPr lang="de-AT"/>
           </a:p>
@@ -2996,7 +3001,7 @@
             <a:fld id="{12C68ADA-1EEA-480A-9CD1-8E41C4EF7AEC}" type="datetime1">
               <a:rPr lang="de-AT" smtClean="0"/>
               <a:pPr/>
-              <a:t>16.03.2012</a:t>
+              <a:t>19.03.2012</a:t>
             </a:fld>
             <a:endParaRPr lang="de-AT"/>
           </a:p>
@@ -3206,7 +3211,7 @@
             <a:fld id="{82FD0C75-38EC-4741-8E42-89A6EA3BCDBC}" type="datetime1">
               <a:rPr lang="de-AT" smtClean="0"/>
               <a:pPr/>
-              <a:t>16.03.2012</a:t>
+              <a:t>19.03.2012</a:t>
             </a:fld>
             <a:endParaRPr lang="de-AT"/>
           </a:p>
@@ -3676,7 +3681,7 @@
             <a:fld id="{5C3FF81A-864E-415D-AB7A-121B57111D20}" type="datetime1">
               <a:rPr lang="de-AT" smtClean="0"/>
               <a:pPr/>
-              <a:t>16.03.2012</a:t>
+              <a:t>19.03.2012</a:t>
             </a:fld>
             <a:endParaRPr lang="de-AT"/>
           </a:p>
@@ -5551,10 +5556,10 @@
           <a:p>
             <a:pPr algn="ctr"/>
             <a:r>
-              <a:rPr lang="en-GB" sz="1400" smtClean="0"/>
-              <a:t>schematron2xslt-plugin</a:t>
-            </a:r>
-            <a:endParaRPr lang="en-GB" sz="1400"/>
+              <a:rPr lang="en-GB" sz="1400" dirty="0" smtClean="0"/>
+              <a:t>schematron2xslt-maven-plugin</a:t>
+            </a:r>
+            <a:endParaRPr lang="en-GB" sz="1400" dirty="0"/>
           </a:p>
         </p:txBody>
       </p:sp>
